--- a/Lab 10/Lab 10 bài giảng.pptx
+++ b/Lab 10/Lab 10 bài giảng.pptx
@@ -184,6 +184,95 @@
     </p:ext>
   </p:extLst>
 </p:presentation>
+</file>
+
+<file path=ppt/changesInfos/changesInfo1.xml><?xml version="1.0" encoding="utf-8"?>
+<pc:chgInfo xmlns:a="http://schemas.openxmlformats.org/drawingml/2006/main" xmlns:r="http://schemas.openxmlformats.org/officeDocument/2006/relationships" xmlns:ac="http://schemas.microsoft.com/office/drawing/2013/main/command" xmlns:pc="http://schemas.microsoft.com/office/powerpoint/2013/main/command">
+  <pc:docChgLst>
+    <pc:chgData name="Hang Anh Le" userId="afddc9ce3bd7fde8" providerId="LiveId" clId="{D6F6FB3E-E299-47DC-9771-161D0F7A86A1}"/>
+    <pc:docChg chg="undo custSel modSld">
+      <pc:chgData name="Hang Anh Le" userId="afddc9ce3bd7fde8" providerId="LiveId" clId="{D6F6FB3E-E299-47DC-9771-161D0F7A86A1}" dt="2024-05-25T02:55:30.781" v="95" actId="20577"/>
+      <pc:docMkLst>
+        <pc:docMk/>
+      </pc:docMkLst>
+      <pc:sldChg chg="modSp mod">
+        <pc:chgData name="Hang Anh Le" userId="afddc9ce3bd7fde8" providerId="LiveId" clId="{D6F6FB3E-E299-47DC-9771-161D0F7A86A1}" dt="2024-05-25T00:42:52.350" v="59" actId="20577"/>
+        <pc:sldMkLst>
+          <pc:docMk/>
+          <pc:sldMk cId="566687447" sldId="263"/>
+        </pc:sldMkLst>
+        <pc:spChg chg="mod">
+          <ac:chgData name="Hang Anh Le" userId="afddc9ce3bd7fde8" providerId="LiveId" clId="{D6F6FB3E-E299-47DC-9771-161D0F7A86A1}" dt="2024-05-25T00:42:52.350" v="59" actId="20577"/>
+          <ac:spMkLst>
+            <pc:docMk/>
+            <pc:sldMk cId="566687447" sldId="263"/>
+            <ac:spMk id="3" creationId="{00000000-0000-0000-0000-000000000000}"/>
+          </ac:spMkLst>
+        </pc:spChg>
+      </pc:sldChg>
+      <pc:sldChg chg="modSp mod">
+        <pc:chgData name="Hang Anh Le" userId="afddc9ce3bd7fde8" providerId="LiveId" clId="{D6F6FB3E-E299-47DC-9771-161D0F7A86A1}" dt="2024-05-25T00:45:45.648" v="76" actId="5793"/>
+        <pc:sldMkLst>
+          <pc:docMk/>
+          <pc:sldMk cId="1340241307" sldId="319"/>
+        </pc:sldMkLst>
+        <pc:spChg chg="mod">
+          <ac:chgData name="Hang Anh Le" userId="afddc9ce3bd7fde8" providerId="LiveId" clId="{D6F6FB3E-E299-47DC-9771-161D0F7A86A1}" dt="2024-05-25T00:45:45.648" v="76" actId="5793"/>
+          <ac:spMkLst>
+            <pc:docMk/>
+            <pc:sldMk cId="1340241307" sldId="319"/>
+            <ac:spMk id="3" creationId="{00000000-0000-0000-0000-000000000000}"/>
+          </ac:spMkLst>
+        </pc:spChg>
+      </pc:sldChg>
+      <pc:sldChg chg="modSp mod">
+        <pc:chgData name="Hang Anh Le" userId="afddc9ce3bd7fde8" providerId="LiveId" clId="{D6F6FB3E-E299-47DC-9771-161D0F7A86A1}" dt="2024-05-25T01:12:02.082" v="85" actId="20577"/>
+        <pc:sldMkLst>
+          <pc:docMk/>
+          <pc:sldMk cId="144808100" sldId="330"/>
+        </pc:sldMkLst>
+        <pc:spChg chg="mod">
+          <ac:chgData name="Hang Anh Le" userId="afddc9ce3bd7fde8" providerId="LiveId" clId="{D6F6FB3E-E299-47DC-9771-161D0F7A86A1}" dt="2024-05-25T01:12:02.082" v="85" actId="20577"/>
+          <ac:spMkLst>
+            <pc:docMk/>
+            <pc:sldMk cId="144808100" sldId="330"/>
+            <ac:spMk id="3" creationId="{00000000-0000-0000-0000-000000000000}"/>
+          </ac:spMkLst>
+        </pc:spChg>
+      </pc:sldChg>
+      <pc:sldChg chg="modSp mod">
+        <pc:chgData name="Hang Anh Le" userId="afddc9ce3bd7fde8" providerId="LiveId" clId="{D6F6FB3E-E299-47DC-9771-161D0F7A86A1}" dt="2024-05-25T02:55:30.781" v="95" actId="20577"/>
+        <pc:sldMkLst>
+          <pc:docMk/>
+          <pc:sldMk cId="566000952" sldId="339"/>
+        </pc:sldMkLst>
+        <pc:spChg chg="mod">
+          <ac:chgData name="Hang Anh Le" userId="afddc9ce3bd7fde8" providerId="LiveId" clId="{D6F6FB3E-E299-47DC-9771-161D0F7A86A1}" dt="2024-05-25T02:55:30.781" v="95" actId="20577"/>
+          <ac:spMkLst>
+            <pc:docMk/>
+            <pc:sldMk cId="566000952" sldId="339"/>
+            <ac:spMk id="3" creationId="{00000000-0000-0000-0000-000000000000}"/>
+          </ac:spMkLst>
+        </pc:spChg>
+      </pc:sldChg>
+      <pc:sldChg chg="modSp mod">
+        <pc:chgData name="Hang Anh Le" userId="afddc9ce3bd7fde8" providerId="LiveId" clId="{D6F6FB3E-E299-47DC-9771-161D0F7A86A1}" dt="2024-05-25T01:13:29.028" v="93" actId="21"/>
+        <pc:sldMkLst>
+          <pc:docMk/>
+          <pc:sldMk cId="3716239572" sldId="356"/>
+        </pc:sldMkLst>
+        <pc:spChg chg="mod">
+          <ac:chgData name="Hang Anh Le" userId="afddc9ce3bd7fde8" providerId="LiveId" clId="{D6F6FB3E-E299-47DC-9771-161D0F7A86A1}" dt="2024-05-25T01:13:29.028" v="93" actId="21"/>
+          <ac:spMkLst>
+            <pc:docMk/>
+            <pc:sldMk cId="3716239572" sldId="356"/>
+            <ac:spMk id="3" creationId="{00000000-0000-0000-0000-000000000000}"/>
+          </ac:spMkLst>
+        </pc:spChg>
+      </pc:sldChg>
+    </pc:docChg>
+  </pc:docChgLst>
+</pc:chgInfo>
 </file>
 
 <file path=ppt/handoutMasters/handoutMaster1.xml><?xml version="1.0" encoding="utf-8"?>
@@ -4367,7 +4456,31 @@
               <a:rPr lang="vi-VN" altLang="en-US" dirty="0">
                 <a:ea typeface="Arial" charset="0"/>
               </a:rPr>
-              <a:t> Change Column(A,</a:t>
+              <a:t> </a:t>
+            </a:r>
+            <a:r>
+              <a:rPr lang="vi-VN" altLang="en-US" dirty="0" err="1">
+                <a:ea typeface="Arial" charset="0"/>
+              </a:rPr>
+              <a:t>Change</a:t>
+            </a:r>
+            <a:r>
+              <a:rPr lang="vi-VN" altLang="en-US" dirty="0">
+                <a:ea typeface="Arial" charset="0"/>
+              </a:rPr>
+              <a:t> </a:t>
+            </a:r>
+            <a:r>
+              <a:rPr lang="vi-VN" altLang="en-US" dirty="0" err="1">
+                <a:ea typeface="Arial" charset="0"/>
+              </a:rPr>
+              <a:t>Column</a:t>
+            </a:r>
+            <a:r>
+              <a:rPr lang="vi-VN" altLang="en-US" dirty="0">
+                <a:ea typeface="Arial" charset="0"/>
+              </a:rPr>
+              <a:t>(A,</a:t>
             </a:r>
             <a:r>
               <a:rPr lang="en-US" altLang="en-US" dirty="0" err="1">
@@ -4379,7 +4492,19 @@
               <a:rPr lang="vi-VN" altLang="en-US" dirty="0">
                 <a:ea typeface="Arial" charset="0"/>
               </a:rPr>
-              <a:t>), hàm thay đổi 2 cột của ma trận A. Nếu A không phải là ma trận hoặc không thực hiện được thì trả lại False, nêu thực hiện thành công thì trả về</a:t>
+              <a:t>), hàm thay đổi 2 cột của ma trận A. Nếu A không phải là ma trận hoặc không thực hiện được thì trả lại </a:t>
+            </a:r>
+            <a:r>
+              <a:rPr lang="vi-VN" altLang="en-US" dirty="0" err="1">
+                <a:ea typeface="Arial" charset="0"/>
+              </a:rPr>
+              <a:t>False</a:t>
+            </a:r>
+            <a:r>
+              <a:rPr lang="vi-VN" altLang="en-US" dirty="0">
+                <a:ea typeface="Arial" charset="0"/>
+              </a:rPr>
+              <a:t>, nêu thực hiện thành công thì trả về</a:t>
             </a:r>
             <a:r>
               <a:rPr lang="en-US" altLang="en-US" dirty="0">
@@ -4388,10 +4513,16 @@
               <a:t> </a:t>
             </a:r>
             <a:r>
+              <a:rPr lang="vi-VN" altLang="en-US" dirty="0" err="1">
+                <a:ea typeface="Arial" charset="0"/>
+              </a:rPr>
+              <a:t>True</a:t>
+            </a:r>
+            <a:r>
               <a:rPr lang="vi-VN" altLang="en-US" dirty="0">
                 <a:ea typeface="Arial" charset="0"/>
               </a:rPr>
-              <a:t>True.</a:t>
+              <a:t>.</a:t>
             </a:r>
             <a:endParaRPr lang="en-US" altLang="en-US" dirty="0">
               <a:ea typeface="Arial" charset="0"/>
@@ -4423,7 +4554,19 @@
               <a:rPr lang="vi-VN" altLang="en-US" dirty="0">
                 <a:ea typeface="Arial" charset="0"/>
               </a:rPr>
-              <a:t> Transpose(A), hàm trả lại kết quả là ma trận A</a:t>
+              <a:t> </a:t>
+            </a:r>
+            <a:r>
+              <a:rPr lang="vi-VN" altLang="en-US" dirty="0" err="1">
+                <a:ea typeface="Arial" charset="0"/>
+              </a:rPr>
+              <a:t>Transpose</a:t>
+            </a:r>
+            <a:r>
+              <a:rPr lang="vi-VN" altLang="en-US" dirty="0">
+                <a:ea typeface="Arial" charset="0"/>
+              </a:rPr>
+              <a:t>(A), hàm trả lại kết quả là ma trận A</a:t>
             </a:r>
             <a:r>
               <a:rPr lang="en-US" altLang="en-US" dirty="0">
@@ -4467,7 +4610,79 @@
               <a:rPr lang="vi-VN" altLang="en-US" dirty="0">
                 <a:ea typeface="Arial" charset="0"/>
               </a:rPr>
-              <a:t> GetSymetry (A), kiêm tra ma trận vuông A có phải là ma trận đổi xứng không 2 Trà về kết quả là True nếu A là ma trận đối xứng và False nếu A không phải là ma thận đối xứng.</a:t>
+              <a:t> </a:t>
+            </a:r>
+            <a:r>
+              <a:rPr lang="vi-VN" altLang="en-US" dirty="0" err="1">
+                <a:ea typeface="Arial" charset="0"/>
+              </a:rPr>
+              <a:t>GetSymetry</a:t>
+            </a:r>
+            <a:r>
+              <a:rPr lang="vi-VN" altLang="en-US" dirty="0">
+                <a:ea typeface="Arial" charset="0"/>
+              </a:rPr>
+              <a:t> (A), kiêm tra ma trận vuông A có phải là ma trận đổi xứng không 2 </a:t>
+            </a:r>
+            <a:r>
+              <a:rPr lang="vi-VN" altLang="en-US" dirty="0" err="1">
+                <a:ea typeface="Arial" charset="0"/>
+              </a:rPr>
+              <a:t>Tr</a:t>
+            </a:r>
+            <a:r>
+              <a:rPr lang="en-US" altLang="en-US" dirty="0">
+                <a:ea typeface="Arial" charset="0"/>
+              </a:rPr>
+              <a:t>ả</a:t>
+            </a:r>
+            <a:r>
+              <a:rPr lang="vi-VN" altLang="en-US" dirty="0">
+                <a:ea typeface="Arial" charset="0"/>
+              </a:rPr>
+              <a:t> về kết quả là </a:t>
+            </a:r>
+            <a:r>
+              <a:rPr lang="vi-VN" altLang="en-US" dirty="0" err="1">
+                <a:ea typeface="Arial" charset="0"/>
+              </a:rPr>
+              <a:t>True</a:t>
+            </a:r>
+            <a:r>
+              <a:rPr lang="vi-VN" altLang="en-US" dirty="0">
+                <a:ea typeface="Arial" charset="0"/>
+              </a:rPr>
+              <a:t> nếu A là ma trận đối xứng và </a:t>
+            </a:r>
+            <a:r>
+              <a:rPr lang="vi-VN" altLang="en-US" dirty="0" err="1">
+                <a:ea typeface="Arial" charset="0"/>
+              </a:rPr>
+              <a:t>False</a:t>
+            </a:r>
+            <a:r>
+              <a:rPr lang="vi-VN" altLang="en-US" dirty="0">
+                <a:ea typeface="Arial" charset="0"/>
+              </a:rPr>
+              <a:t> nếu A không phải là ma t</a:t>
+            </a:r>
+            <a:r>
+              <a:rPr lang="en-US" altLang="en-US" dirty="0">
+                <a:ea typeface="Arial" charset="0"/>
+              </a:rPr>
+              <a:t>r</a:t>
+            </a:r>
+            <a:r>
+              <a:rPr lang="vi-VN" altLang="en-US" dirty="0" err="1">
+                <a:ea typeface="Arial" charset="0"/>
+              </a:rPr>
+              <a:t>ận</a:t>
+            </a:r>
+            <a:r>
+              <a:rPr lang="vi-VN" altLang="en-US" dirty="0">
+                <a:ea typeface="Arial" charset="0"/>
+              </a:rPr>
+              <a:t> đối xứng.</a:t>
             </a:r>
             <a:endParaRPr lang="en-US" altLang="en-US" dirty="0">
               <a:ea typeface="Arial" charset="0"/>
@@ -4487,7 +4702,31 @@
               <a:rPr lang="vi-VN" altLang="en-US" dirty="0">
                 <a:ea typeface="Arial" charset="0"/>
               </a:rPr>
-              <a:t>2.2. Viết chương trình sử dụng các hàm trong module MyMatrix vừa được xây dựng ở trên để kiểm tra danh sách A có thỏa mãn các điều kiện trong mục 2.1.</a:t>
+              <a:t>2.2. Viết chương trình sử dụng các hàm trong </a:t>
+            </a:r>
+            <a:r>
+              <a:rPr lang="vi-VN" altLang="en-US" dirty="0" err="1">
+                <a:ea typeface="Arial" charset="0"/>
+              </a:rPr>
+              <a:t>module</a:t>
+            </a:r>
+            <a:r>
+              <a:rPr lang="vi-VN" altLang="en-US" dirty="0">
+                <a:ea typeface="Arial" charset="0"/>
+              </a:rPr>
+              <a:t> </a:t>
+            </a:r>
+            <a:r>
+              <a:rPr lang="vi-VN" altLang="en-US" dirty="0" err="1">
+                <a:ea typeface="Arial" charset="0"/>
+              </a:rPr>
+              <a:t>MyMatrix</a:t>
+            </a:r>
+            <a:r>
+              <a:rPr lang="vi-VN" altLang="en-US" dirty="0">
+                <a:ea typeface="Arial" charset="0"/>
+              </a:rPr>
+              <a:t> vừa được xây dựng ở trên để kiểm tra danh sách A có thỏa mãn các điều kiện trong mục 2.1.</a:t>
             </a:r>
             <a:endParaRPr lang="en-US" altLang="en-US" dirty="0">
               <a:ea typeface="Arial" charset="0"/>
@@ -8677,7 +8916,31 @@
               <a:rPr lang="vi-VN" altLang="en-US" dirty="0">
                 <a:ea typeface="Arial" charset="0"/>
               </a:rPr>
-              <a:t>Xây dựng một module có tên sohoc,py gồm các phương thức:</a:t>
+              <a:t>Xây dựng một module có tên </a:t>
+            </a:r>
+            <a:r>
+              <a:rPr lang="vi-VN" altLang="en-US" dirty="0" err="1">
+                <a:ea typeface="Arial" charset="0"/>
+              </a:rPr>
+              <a:t>sohoc</a:t>
+            </a:r>
+            <a:r>
+              <a:rPr lang="en-US" altLang="en-US" dirty="0">
+                <a:ea typeface="Arial" charset="0"/>
+              </a:rPr>
+              <a:t>2.</a:t>
+            </a:r>
+            <a:r>
+              <a:rPr lang="vi-VN" altLang="en-US" dirty="0" err="1">
+                <a:ea typeface="Arial" charset="0"/>
+              </a:rPr>
+              <a:t>py</a:t>
+            </a:r>
+            <a:r>
+              <a:rPr lang="vi-VN" altLang="en-US" dirty="0">
+                <a:ea typeface="Arial" charset="0"/>
+              </a:rPr>
+              <a:t> gồm các phương thức:</a:t>
             </a:r>
             <a:endParaRPr lang="en-US" altLang="en-US" dirty="0">
               <a:ea typeface="Arial" charset="0"/>
@@ -18125,8 +18388,12 @@
           <a:lstStyle/>
           <a:p>
             <a:r>
+              <a:rPr lang="vi-VN" altLang="en-US" b="1" dirty="0"/>
+              <a:t>Import module</a:t>
+            </a:r>
+            <a:r>
               <a:rPr lang="vi-VN" altLang="en-US" dirty="0"/>
-              <a:t>Import module: Để sử dụng các định nghĩa trong một module, bạn cần import module đó. Có một số cách để import module:</a:t>
+              <a:t>: Để sử dụng các định nghĩa trong một module, bạn cần import module đó. Có một số cách để import module:</a:t>
             </a:r>
             <a:endParaRPr lang="en-US" altLang="en-US" dirty="0"/>
           </a:p>
@@ -18198,7 +18465,7 @@
             </a:r>
             <a:r>
               <a:rPr lang="en-US" altLang="en-US" dirty="0"/>
-              <a:t> as alias</a:t>
+              <a:t> as alias </a:t>
             </a:r>
           </a:p>
           <a:p>
@@ -18341,8 +18608,16 @@
           </a:p>
           <a:p>
             <a:r>
+              <a:rPr lang="en-US" altLang="en-US" dirty="0" err="1"/>
+              <a:t>i</a:t>
+            </a:r>
+            <a:r>
+              <a:rPr lang="vi-VN" altLang="en-US" dirty="0" err="1"/>
+              <a:t>mport</a:t>
+            </a:r>
+            <a:r>
               <a:rPr lang="vi-VN" altLang="en-US" dirty="0"/>
-              <a:t>mport module từ thư mục khác: Nếu module của bạn không nằm trong cùng thư mục với chương trình Python hiện tại, bạn có thể sử dụng các cách import module từ thư mục khác như sys.path.append() hoặc sys.path.insert().</a:t>
+              <a:t> module từ thư mục khác: Nếu module của bạn không nằm trong cùng thư mục với chương trình Python hiện tại, bạn có thể sử dụng các cách import module từ thư mục khác như sys.path.append() hoặc sys.path.insert().</a:t>
             </a:r>
           </a:p>
         </p:txBody>
@@ -18973,13 +19248,6 @@
             </a:r>
           </a:p>
           <a:p>
-            <a:pPr marL="0" indent="0">
-              <a:buNone/>
-            </a:pPr>
-            <a:r>
-              <a:rPr lang="en-US" altLang="en-US" dirty="0"/>
-              <a:t>+ </a:t>
-            </a:r>
             <a:r>
               <a:rPr lang="vi-VN" altLang="en-US" dirty="0"/>
               <a:t>Tạo một file có tên __init__.py trong thư mục gốc của package.</a:t>
@@ -21528,7 +21796,19 @@
               <a:rPr lang="vi-VN" altLang="en-US" dirty="0">
                 <a:ea typeface="Arial" charset="0"/>
               </a:rPr>
-              <a:t>), hàm thay đồi 2 hàng của ma trận A. Nếu A không phải là ma trận hoặc không thực hiện được thì trả lại False, nêu thực hiện thành công thì trả về</a:t>
+              <a:t>), hàm thay đ</a:t>
+            </a:r>
+            <a:r>
+              <a:rPr lang="en-US" altLang="en-US" dirty="0">
+                <a:ea typeface="Arial" charset="0"/>
+              </a:rPr>
+              <a:t>ổ</a:t>
+            </a:r>
+            <a:r>
+              <a:rPr lang="vi-VN" altLang="en-US" dirty="0">
+                <a:ea typeface="Arial" charset="0"/>
+              </a:rPr>
+              <a:t>i 2 hàng của ma trận A. Nếu A không phải là ma trận hoặc không thực hiện được thì trả lại False, nêu thực hiện thành công thì trả về</a:t>
             </a:r>
             <a:r>
               <a:rPr lang="en-US" altLang="en-US" dirty="0">
